--- a/images/research/abm.pptx
+++ b/images/research/abm.pptx
@@ -2,12 +2,12 @@
 <file path=ppt/presentation.xml><?xml version="1.0" encoding="utf-8"?>
 <p:presentation xmlns:a="http://schemas.openxmlformats.org/drawingml/2006/main" xmlns:r="http://schemas.openxmlformats.org/officeDocument/2006/relationships" xmlns:p="http://schemas.openxmlformats.org/presentationml/2006/main" saveSubsetFonts="1" autoCompressPictures="0">
   <p:sldMasterIdLst>
-    <p:sldMasterId id="2147483672" r:id="rId1"/>
+    <p:sldMasterId id="2147483696" r:id="rId1"/>
   </p:sldMasterIdLst>
   <p:sldIdLst>
     <p:sldId id="256" r:id="rId2"/>
   </p:sldIdLst>
-  <p:sldSz cx="6889750" cy="6858000"/>
+  <p:sldSz cx="6889750" cy="6218238"/>
   <p:notesSz cx="6858000" cy="9144000"/>
   <p:defaultTextStyle>
     <a:defPPr>
@@ -141,8 +141,8 @@
         </p:nvSpPr>
         <p:spPr>
           <a:xfrm>
-            <a:off x="516731" y="1122363"/>
-            <a:ext cx="5856288" cy="2387600"/>
+            <a:off x="516731" y="1017661"/>
+            <a:ext cx="5856288" cy="2164868"/>
           </a:xfrm>
         </p:spPr>
         <p:txBody>
@@ -173,8 +173,8 @@
         </p:nvSpPr>
         <p:spPr>
           <a:xfrm>
-            <a:off x="861219" y="3602038"/>
-            <a:ext cx="5167313" cy="1655762"/>
+            <a:off x="861219" y="3266015"/>
+            <a:ext cx="5167313" cy="1501301"/>
           </a:xfrm>
         </p:spPr>
         <p:txBody>
@@ -294,7 +294,7 @@
     </p:spTree>
     <p:extLst>
       <p:ext uri="{BB962C8B-B14F-4D97-AF65-F5344CB8AC3E}">
-        <p14:creationId xmlns:p14="http://schemas.microsoft.com/office/powerpoint/2010/main" val="126742839"/>
+        <p14:creationId xmlns:p14="http://schemas.microsoft.com/office/powerpoint/2010/main" val="2999982395"/>
       </p:ext>
     </p:extLst>
   </p:cSld>
@@ -464,7 +464,7 @@
     </p:spTree>
     <p:extLst>
       <p:ext uri="{BB962C8B-B14F-4D97-AF65-F5344CB8AC3E}">
-        <p14:creationId xmlns:p14="http://schemas.microsoft.com/office/powerpoint/2010/main" val="1659085442"/>
+        <p14:creationId xmlns:p14="http://schemas.microsoft.com/office/powerpoint/2010/main" val="3728684500"/>
       </p:ext>
     </p:extLst>
   </p:cSld>
@@ -503,8 +503,8 @@
         </p:nvSpPr>
         <p:spPr>
           <a:xfrm>
-            <a:off x="4930478" y="365125"/>
-            <a:ext cx="1485602" cy="5811838"/>
+            <a:off x="4930478" y="331064"/>
+            <a:ext cx="1485602" cy="5269669"/>
           </a:xfrm>
         </p:spPr>
         <p:txBody>
@@ -531,8 +531,8 @@
         </p:nvSpPr>
         <p:spPr>
           <a:xfrm>
-            <a:off x="473671" y="365125"/>
-            <a:ext cx="4370685" cy="5811838"/>
+            <a:off x="473671" y="331064"/>
+            <a:ext cx="4370685" cy="5269669"/>
           </a:xfrm>
         </p:spPr>
         <p:txBody>
@@ -644,7 +644,7 @@
     </p:spTree>
     <p:extLst>
       <p:ext uri="{BB962C8B-B14F-4D97-AF65-F5344CB8AC3E}">
-        <p14:creationId xmlns:p14="http://schemas.microsoft.com/office/powerpoint/2010/main" val="2278244437"/>
+        <p14:creationId xmlns:p14="http://schemas.microsoft.com/office/powerpoint/2010/main" val="1900857206"/>
       </p:ext>
     </p:extLst>
   </p:cSld>
@@ -814,7 +814,7 @@
     </p:spTree>
     <p:extLst>
       <p:ext uri="{BB962C8B-B14F-4D97-AF65-F5344CB8AC3E}">
-        <p14:creationId xmlns:p14="http://schemas.microsoft.com/office/powerpoint/2010/main" val="1790405898"/>
+        <p14:creationId xmlns:p14="http://schemas.microsoft.com/office/powerpoint/2010/main" val="1146720051"/>
       </p:ext>
     </p:extLst>
   </p:cSld>
@@ -853,8 +853,8 @@
         </p:nvSpPr>
         <p:spPr>
           <a:xfrm>
-            <a:off x="470082" y="1709740"/>
-            <a:ext cx="5942409" cy="2852737"/>
+            <a:off x="470082" y="1550243"/>
+            <a:ext cx="5942409" cy="2586614"/>
           </a:xfrm>
         </p:spPr>
         <p:txBody>
@@ -885,8 +885,8 @@
         </p:nvSpPr>
         <p:spPr>
           <a:xfrm>
-            <a:off x="470082" y="4589465"/>
-            <a:ext cx="5942409" cy="1500187"/>
+            <a:off x="470082" y="4161327"/>
+            <a:ext cx="5942409" cy="1360239"/>
           </a:xfrm>
         </p:spPr>
         <p:txBody>
@@ -1058,7 +1058,7 @@
     </p:spTree>
     <p:extLst>
       <p:ext uri="{BB962C8B-B14F-4D97-AF65-F5344CB8AC3E}">
-        <p14:creationId xmlns:p14="http://schemas.microsoft.com/office/powerpoint/2010/main" val="860890651"/>
+        <p14:creationId xmlns:p14="http://schemas.microsoft.com/office/powerpoint/2010/main" val="2941068628"/>
       </p:ext>
     </p:extLst>
   </p:cSld>
@@ -1120,8 +1120,8 @@
         </p:nvSpPr>
         <p:spPr>
           <a:xfrm>
-            <a:off x="473670" y="1825625"/>
-            <a:ext cx="2928144" cy="4351338"/>
+            <a:off x="473670" y="1655318"/>
+            <a:ext cx="2928144" cy="3945415"/>
           </a:xfrm>
         </p:spPr>
         <p:txBody>
@@ -1177,8 +1177,8 @@
         </p:nvSpPr>
         <p:spPr>
           <a:xfrm>
-            <a:off x="3487936" y="1825625"/>
-            <a:ext cx="2928144" cy="4351338"/>
+            <a:off x="3487936" y="1655318"/>
+            <a:ext cx="2928144" cy="3945415"/>
           </a:xfrm>
         </p:spPr>
         <p:txBody>
@@ -1290,7 +1290,7 @@
     </p:spTree>
     <p:extLst>
       <p:ext uri="{BB962C8B-B14F-4D97-AF65-F5344CB8AC3E}">
-        <p14:creationId xmlns:p14="http://schemas.microsoft.com/office/powerpoint/2010/main" val="2494718935"/>
+        <p14:creationId xmlns:p14="http://schemas.microsoft.com/office/powerpoint/2010/main" val="2624116250"/>
       </p:ext>
     </p:extLst>
   </p:cSld>
@@ -1329,8 +1329,8 @@
         </p:nvSpPr>
         <p:spPr>
           <a:xfrm>
-            <a:off x="474568" y="365127"/>
-            <a:ext cx="5942409" cy="1325563"/>
+            <a:off x="474568" y="331065"/>
+            <a:ext cx="5942409" cy="1201905"/>
           </a:xfrm>
         </p:spPr>
         <p:txBody>
@@ -1357,8 +1357,8 @@
         </p:nvSpPr>
         <p:spPr>
           <a:xfrm>
-            <a:off x="474568" y="1681163"/>
-            <a:ext cx="2914687" cy="823912"/>
+            <a:off x="474568" y="1524332"/>
+            <a:ext cx="2914687" cy="747052"/>
           </a:xfrm>
         </p:spPr>
         <p:txBody>
@@ -1422,8 +1422,8 @@
         </p:nvSpPr>
         <p:spPr>
           <a:xfrm>
-            <a:off x="474568" y="2505075"/>
-            <a:ext cx="2914687" cy="3684588"/>
+            <a:off x="474568" y="2271384"/>
+            <a:ext cx="2914687" cy="3340864"/>
           </a:xfrm>
         </p:spPr>
         <p:txBody>
@@ -1479,8 +1479,8 @@
         </p:nvSpPr>
         <p:spPr>
           <a:xfrm>
-            <a:off x="3487936" y="1681163"/>
-            <a:ext cx="2929041" cy="823912"/>
+            <a:off x="3487936" y="1524332"/>
+            <a:ext cx="2929041" cy="747052"/>
           </a:xfrm>
         </p:spPr>
         <p:txBody>
@@ -1544,8 +1544,8 @@
         </p:nvSpPr>
         <p:spPr>
           <a:xfrm>
-            <a:off x="3487936" y="2505075"/>
-            <a:ext cx="2929041" cy="3684588"/>
+            <a:off x="3487936" y="2271384"/>
+            <a:ext cx="2929041" cy="3340864"/>
           </a:xfrm>
         </p:spPr>
         <p:txBody>
@@ -1657,7 +1657,7 @@
     </p:spTree>
     <p:extLst>
       <p:ext uri="{BB962C8B-B14F-4D97-AF65-F5344CB8AC3E}">
-        <p14:creationId xmlns:p14="http://schemas.microsoft.com/office/powerpoint/2010/main" val="25635085"/>
+        <p14:creationId xmlns:p14="http://schemas.microsoft.com/office/powerpoint/2010/main" val="742752405"/>
       </p:ext>
     </p:extLst>
   </p:cSld>
@@ -1775,7 +1775,7 @@
     </p:spTree>
     <p:extLst>
       <p:ext uri="{BB962C8B-B14F-4D97-AF65-F5344CB8AC3E}">
-        <p14:creationId xmlns:p14="http://schemas.microsoft.com/office/powerpoint/2010/main" val="748451154"/>
+        <p14:creationId xmlns:p14="http://schemas.microsoft.com/office/powerpoint/2010/main" val="835139518"/>
       </p:ext>
     </p:extLst>
   </p:cSld>
@@ -1870,7 +1870,7 @@
     </p:spTree>
     <p:extLst>
       <p:ext uri="{BB962C8B-B14F-4D97-AF65-F5344CB8AC3E}">
-        <p14:creationId xmlns:p14="http://schemas.microsoft.com/office/powerpoint/2010/main" val="2542205646"/>
+        <p14:creationId xmlns:p14="http://schemas.microsoft.com/office/powerpoint/2010/main" val="4037608152"/>
       </p:ext>
     </p:extLst>
   </p:cSld>
@@ -1909,8 +1909,8 @@
         </p:nvSpPr>
         <p:spPr>
           <a:xfrm>
-            <a:off x="474568" y="457200"/>
-            <a:ext cx="2222124" cy="1600200"/>
+            <a:off x="474568" y="414549"/>
+            <a:ext cx="2222124" cy="1450922"/>
           </a:xfrm>
         </p:spPr>
         <p:txBody>
@@ -1941,8 +1941,8 @@
         </p:nvSpPr>
         <p:spPr>
           <a:xfrm>
-            <a:off x="2929041" y="987427"/>
-            <a:ext cx="3487936" cy="4873625"/>
+            <a:off x="2929041" y="895313"/>
+            <a:ext cx="3487936" cy="4418979"/>
           </a:xfrm>
         </p:spPr>
         <p:txBody>
@@ -2026,8 +2026,8 @@
         </p:nvSpPr>
         <p:spPr>
           <a:xfrm>
-            <a:off x="474568" y="2057400"/>
-            <a:ext cx="2222124" cy="3811588"/>
+            <a:off x="474568" y="1865471"/>
+            <a:ext cx="2222124" cy="3456017"/>
           </a:xfrm>
         </p:spPr>
         <p:txBody>
@@ -2147,7 +2147,7 @@
     </p:spTree>
     <p:extLst>
       <p:ext uri="{BB962C8B-B14F-4D97-AF65-F5344CB8AC3E}">
-        <p14:creationId xmlns:p14="http://schemas.microsoft.com/office/powerpoint/2010/main" val="2081125241"/>
+        <p14:creationId xmlns:p14="http://schemas.microsoft.com/office/powerpoint/2010/main" val="2852432652"/>
       </p:ext>
     </p:extLst>
   </p:cSld>
@@ -2186,8 +2186,8 @@
         </p:nvSpPr>
         <p:spPr>
           <a:xfrm>
-            <a:off x="474568" y="457200"/>
-            <a:ext cx="2222124" cy="1600200"/>
+            <a:off x="474568" y="414549"/>
+            <a:ext cx="2222124" cy="1450922"/>
           </a:xfrm>
         </p:spPr>
         <p:txBody>
@@ -2218,8 +2218,8 @@
         </p:nvSpPr>
         <p:spPr>
           <a:xfrm>
-            <a:off x="2929041" y="987427"/>
-            <a:ext cx="3487936" cy="4873625"/>
+            <a:off x="2929041" y="895313"/>
+            <a:ext cx="3487936" cy="4418979"/>
           </a:xfrm>
         </p:spPr>
         <p:txBody>
@@ -2283,8 +2283,8 @@
         </p:nvSpPr>
         <p:spPr>
           <a:xfrm>
-            <a:off x="474568" y="2057400"/>
-            <a:ext cx="2222124" cy="3811588"/>
+            <a:off x="474568" y="1865471"/>
+            <a:ext cx="2222124" cy="3456017"/>
           </a:xfrm>
         </p:spPr>
         <p:txBody>
@@ -2404,7 +2404,7 @@
     </p:spTree>
     <p:extLst>
       <p:ext uri="{BB962C8B-B14F-4D97-AF65-F5344CB8AC3E}">
-        <p14:creationId xmlns:p14="http://schemas.microsoft.com/office/powerpoint/2010/main" val="1060897849"/>
+        <p14:creationId xmlns:p14="http://schemas.microsoft.com/office/powerpoint/2010/main" val="42799777"/>
       </p:ext>
     </p:extLst>
   </p:cSld>
@@ -2448,8 +2448,8 @@
         </p:nvSpPr>
         <p:spPr>
           <a:xfrm>
-            <a:off x="473671" y="365127"/>
-            <a:ext cx="5942409" cy="1325563"/>
+            <a:off x="473671" y="331065"/>
+            <a:ext cx="5942409" cy="1201905"/>
           </a:xfrm>
           <a:prstGeom prst="rect">
             <a:avLst/>
@@ -2481,8 +2481,8 @@
         </p:nvSpPr>
         <p:spPr>
           <a:xfrm>
-            <a:off x="473671" y="1825625"/>
-            <a:ext cx="5942409" cy="4351338"/>
+            <a:off x="473671" y="1655318"/>
+            <a:ext cx="5942409" cy="3945415"/>
           </a:xfrm>
           <a:prstGeom prst="rect">
             <a:avLst/>
@@ -2543,8 +2543,8 @@
         </p:nvSpPr>
         <p:spPr>
           <a:xfrm>
-            <a:off x="473670" y="6356352"/>
-            <a:ext cx="1550194" cy="365125"/>
+            <a:off x="473670" y="5763387"/>
+            <a:ext cx="1550194" cy="331064"/>
           </a:xfrm>
           <a:prstGeom prst="rect">
             <a:avLst/>
@@ -2584,8 +2584,8 @@
         </p:nvSpPr>
         <p:spPr>
           <a:xfrm>
-            <a:off x="2282230" y="6356352"/>
-            <a:ext cx="2325291" cy="365125"/>
+            <a:off x="2282230" y="5763387"/>
+            <a:ext cx="2325291" cy="331064"/>
           </a:xfrm>
           <a:prstGeom prst="rect">
             <a:avLst/>
@@ -2621,8 +2621,8 @@
         </p:nvSpPr>
         <p:spPr>
           <a:xfrm>
-            <a:off x="4865886" y="6356352"/>
-            <a:ext cx="1550194" cy="365125"/>
+            <a:off x="4865886" y="5763387"/>
+            <a:ext cx="1550194" cy="331064"/>
           </a:xfrm>
           <a:prstGeom prst="rect">
             <a:avLst/>
@@ -2653,23 +2653,23 @@
     </p:spTree>
     <p:extLst>
       <p:ext uri="{BB962C8B-B14F-4D97-AF65-F5344CB8AC3E}">
-        <p14:creationId xmlns:p14="http://schemas.microsoft.com/office/powerpoint/2010/main" val="3408472757"/>
+        <p14:creationId xmlns:p14="http://schemas.microsoft.com/office/powerpoint/2010/main" val="1122512994"/>
       </p:ext>
     </p:extLst>
   </p:cSld>
   <p:clrMap bg1="lt1" tx1="dk1" bg2="lt2" tx2="dk2" accent1="accent1" accent2="accent2" accent3="accent3" accent4="accent4" accent5="accent5" accent6="accent6" hlink="hlink" folHlink="folHlink"/>
   <p:sldLayoutIdLst>
-    <p:sldLayoutId id="2147483673" r:id="rId1"/>
-    <p:sldLayoutId id="2147483674" r:id="rId2"/>
-    <p:sldLayoutId id="2147483675" r:id="rId3"/>
-    <p:sldLayoutId id="2147483676" r:id="rId4"/>
-    <p:sldLayoutId id="2147483677" r:id="rId5"/>
-    <p:sldLayoutId id="2147483678" r:id="rId6"/>
-    <p:sldLayoutId id="2147483679" r:id="rId7"/>
-    <p:sldLayoutId id="2147483680" r:id="rId8"/>
-    <p:sldLayoutId id="2147483681" r:id="rId9"/>
-    <p:sldLayoutId id="2147483682" r:id="rId10"/>
-    <p:sldLayoutId id="2147483683" r:id="rId11"/>
+    <p:sldLayoutId id="2147483697" r:id="rId1"/>
+    <p:sldLayoutId id="2147483698" r:id="rId2"/>
+    <p:sldLayoutId id="2147483699" r:id="rId3"/>
+    <p:sldLayoutId id="2147483700" r:id="rId4"/>
+    <p:sldLayoutId id="2147483701" r:id="rId5"/>
+    <p:sldLayoutId id="2147483702" r:id="rId6"/>
+    <p:sldLayoutId id="2147483703" r:id="rId7"/>
+    <p:sldLayoutId id="2147483704" r:id="rId8"/>
+    <p:sldLayoutId id="2147483705" r:id="rId9"/>
+    <p:sldLayoutId id="2147483706" r:id="rId10"/>
+    <p:sldLayoutId id="2147483707" r:id="rId11"/>
   </p:sldLayoutIdLst>
   <p:txStyles>
     <p:titleStyle>
@@ -2992,8 +2992,8 @@
         </p:blipFill>
         <p:spPr>
           <a:xfrm>
-            <a:off x="1907356" y="233544"/>
-            <a:ext cx="2998682" cy="3011721"/>
+            <a:off x="1911168" y="350858"/>
+            <a:ext cx="2718944" cy="2730767"/>
           </a:xfrm>
           <a:prstGeom prst="rect">
             <a:avLst/>
@@ -3002,10 +3002,10 @@
       </p:pic>
       <p:pic>
         <p:nvPicPr>
-          <p:cNvPr id="7" name="Picture 6">
+          <p:cNvPr id="3" name="Picture 2">
             <a:extLst>
               <a:ext uri="{FF2B5EF4-FFF2-40B4-BE49-F238E27FC236}">
-                <a16:creationId xmlns:a16="http://schemas.microsoft.com/office/drawing/2014/main" id="{F7D40668-BD77-A647-B203-65C78B472E30}"/>
+                <a16:creationId xmlns:a16="http://schemas.microsoft.com/office/drawing/2014/main" id="{93DC8B27-EF58-EC46-947C-11F84836364E}"/>
               </a:ext>
             </a:extLst>
           </p:cNvPr>
@@ -3014,16 +3014,15 @@
           </p:cNvPicPr>
           <p:nvPr/>
         </p:nvPicPr>
-        <p:blipFill>
+        <p:blipFill rotWithShape="1">
           <a:blip r:embed="rId3"/>
-          <a:stretch>
-            <a:fillRect/>
-          </a:stretch>
+          <a:srcRect t="34191" b="33730"/>
+          <a:stretch/>
         </p:blipFill>
         <p:spPr>
           <a:xfrm>
-            <a:off x="0" y="3319068"/>
-            <a:ext cx="6813394" cy="3453927"/>
+            <a:off x="459441" y="3307651"/>
+            <a:ext cx="5951875" cy="2470877"/>
           </a:xfrm>
           <a:prstGeom prst="rect">
             <a:avLst/>
